--- a/Presentation/32.pptx
+++ b/Presentation/32.pptx
@@ -4580,6 +4580,64 @@
           </a:prstGeom>
         </p:spPr>
       </p:pic>
+      <p:pic>
+        <p:nvPicPr>
+          <p:cNvPr id="6" name="Picture 5" descr="A picture containing building, drawing, window&#10;&#10;Description automatically generated">
+            <a:extLst>
+              <a:ext uri="{FF2B5EF4-FFF2-40B4-BE49-F238E27FC236}">
+                <a16:creationId xmlns:a16="http://schemas.microsoft.com/office/drawing/2014/main" id="{D16FE321-AAD6-4067-BD1B-3A24F67B0E9F}"/>
+              </a:ext>
+            </a:extLst>
+          </p:cNvPr>
+          <p:cNvPicPr>
+            <a:picLocks noChangeAspect="1"/>
+          </p:cNvPicPr>
+          <p:nvPr/>
+        </p:nvPicPr>
+        <p:blipFill rotWithShape="1">
+          <a:blip r:embed="rId3"/>
+          <a:srcRect l="862" t="89148" r="93335" b="816"/>
+          <a:stretch/>
+        </p:blipFill>
+        <p:spPr>
+          <a:xfrm>
+            <a:off x="2557286" y="4629596"/>
+            <a:ext cx="411061" cy="412435"/>
+          </a:xfrm>
+          <a:prstGeom prst="rect">
+            <a:avLst/>
+          </a:prstGeom>
+        </p:spPr>
+      </p:pic>
+      <p:pic>
+        <p:nvPicPr>
+          <p:cNvPr id="10" name="Picture 9" descr="A picture containing building, drawing, window&#10;&#10;Description automatically generated">
+            <a:extLst>
+              <a:ext uri="{FF2B5EF4-FFF2-40B4-BE49-F238E27FC236}">
+                <a16:creationId xmlns:a16="http://schemas.microsoft.com/office/drawing/2014/main" id="{FBB0AD56-9965-4BA8-8E3B-DBDE1129B33C}"/>
+              </a:ext>
+            </a:extLst>
+          </p:cNvPr>
+          <p:cNvPicPr>
+            <a:picLocks noChangeAspect="1"/>
+          </p:cNvPicPr>
+          <p:nvPr/>
+        </p:nvPicPr>
+        <p:blipFill rotWithShape="1">
+          <a:blip r:embed="rId3"/>
+          <a:srcRect l="862" t="78445" r="93335" b="11723"/>
+          <a:stretch/>
+        </p:blipFill>
+        <p:spPr>
+          <a:xfrm>
+            <a:off x="2557286" y="5066335"/>
+            <a:ext cx="411061" cy="404033"/>
+          </a:xfrm>
+          <a:prstGeom prst="rect">
+            <a:avLst/>
+          </a:prstGeom>
+        </p:spPr>
+      </p:pic>
     </p:spTree>
     <p:extLst>
       <p:ext uri="{BB962C8B-B14F-4D97-AF65-F5344CB8AC3E}">
@@ -4975,6 +5033,64 @@
           <a:xfrm>
             <a:off x="5039600" y="4675310"/>
             <a:ext cx="2014047" cy="1809980"/>
+          </a:xfrm>
+          <a:prstGeom prst="rect">
+            <a:avLst/>
+          </a:prstGeom>
+        </p:spPr>
+      </p:pic>
+      <p:pic>
+        <p:nvPicPr>
+          <p:cNvPr id="7" name="Picture 6" descr="A picture containing building, drawing, window&#10;&#10;Description automatically generated">
+            <a:extLst>
+              <a:ext uri="{FF2B5EF4-FFF2-40B4-BE49-F238E27FC236}">
+                <a16:creationId xmlns:a16="http://schemas.microsoft.com/office/drawing/2014/main" id="{72A77397-ED9F-4A2E-B071-5F4B767C7FF5}"/>
+              </a:ext>
+            </a:extLst>
+          </p:cNvPr>
+          <p:cNvPicPr>
+            <a:picLocks noChangeAspect="1"/>
+          </p:cNvPicPr>
+          <p:nvPr/>
+        </p:nvPicPr>
+        <p:blipFill rotWithShape="1">
+          <a:blip r:embed="rId5"/>
+          <a:srcRect l="862" t="89148" r="93335" b="816"/>
+          <a:stretch/>
+        </p:blipFill>
+        <p:spPr>
+          <a:xfrm>
+            <a:off x="2557286" y="4629763"/>
+            <a:ext cx="411061" cy="412435"/>
+          </a:xfrm>
+          <a:prstGeom prst="rect">
+            <a:avLst/>
+          </a:prstGeom>
+        </p:spPr>
+      </p:pic>
+      <p:pic>
+        <p:nvPicPr>
+          <p:cNvPr id="9" name="Picture 8" descr="A picture containing building, drawing, window&#10;&#10;Description automatically generated">
+            <a:extLst>
+              <a:ext uri="{FF2B5EF4-FFF2-40B4-BE49-F238E27FC236}">
+                <a16:creationId xmlns:a16="http://schemas.microsoft.com/office/drawing/2014/main" id="{21F1A707-C719-4DE3-91F8-6D5DBC719C54}"/>
+              </a:ext>
+            </a:extLst>
+          </p:cNvPr>
+          <p:cNvPicPr>
+            <a:picLocks noChangeAspect="1"/>
+          </p:cNvPicPr>
+          <p:nvPr/>
+        </p:nvPicPr>
+        <p:blipFill rotWithShape="1">
+          <a:blip r:embed="rId5"/>
+          <a:srcRect l="862" t="78445" r="93335" b="11723"/>
+          <a:stretch/>
+        </p:blipFill>
+        <p:spPr>
+          <a:xfrm>
+            <a:off x="2557286" y="5066335"/>
+            <a:ext cx="411061" cy="404033"/>
           </a:xfrm>
           <a:prstGeom prst="rect">
             <a:avLst/>
@@ -5382,6 +5498,64 @@
           </a:prstGeom>
         </p:spPr>
       </p:pic>
+      <p:pic>
+        <p:nvPicPr>
+          <p:cNvPr id="7" name="Picture 6" descr="A picture containing building, drawing, window&#10;&#10;Description automatically generated">
+            <a:extLst>
+              <a:ext uri="{FF2B5EF4-FFF2-40B4-BE49-F238E27FC236}">
+                <a16:creationId xmlns:a16="http://schemas.microsoft.com/office/drawing/2014/main" id="{4DCB421A-0B33-4E74-8376-8312D5B0ED30}"/>
+              </a:ext>
+            </a:extLst>
+          </p:cNvPr>
+          <p:cNvPicPr>
+            <a:picLocks noChangeAspect="1"/>
+          </p:cNvPicPr>
+          <p:nvPr/>
+        </p:nvPicPr>
+        <p:blipFill rotWithShape="1">
+          <a:blip r:embed="rId5"/>
+          <a:srcRect l="862" t="89148" r="93335" b="816"/>
+          <a:stretch/>
+        </p:blipFill>
+        <p:spPr>
+          <a:xfrm>
+            <a:off x="2557286" y="4629596"/>
+            <a:ext cx="411061" cy="412435"/>
+          </a:xfrm>
+          <a:prstGeom prst="rect">
+            <a:avLst/>
+          </a:prstGeom>
+        </p:spPr>
+      </p:pic>
+      <p:pic>
+        <p:nvPicPr>
+          <p:cNvPr id="10" name="Picture 9" descr="A picture containing building, drawing, window&#10;&#10;Description automatically generated">
+            <a:extLst>
+              <a:ext uri="{FF2B5EF4-FFF2-40B4-BE49-F238E27FC236}">
+                <a16:creationId xmlns:a16="http://schemas.microsoft.com/office/drawing/2014/main" id="{FC519D6C-5220-41AC-9FE4-A775567A53D2}"/>
+              </a:ext>
+            </a:extLst>
+          </p:cNvPr>
+          <p:cNvPicPr>
+            <a:picLocks noChangeAspect="1"/>
+          </p:cNvPicPr>
+          <p:nvPr/>
+        </p:nvPicPr>
+        <p:blipFill rotWithShape="1">
+          <a:blip r:embed="rId5"/>
+          <a:srcRect l="862" t="78445" r="93335" b="11723"/>
+          <a:stretch/>
+        </p:blipFill>
+        <p:spPr>
+          <a:xfrm>
+            <a:off x="2557286" y="5066335"/>
+            <a:ext cx="411061" cy="404033"/>
+          </a:xfrm>
+          <a:prstGeom prst="rect">
+            <a:avLst/>
+          </a:prstGeom>
+        </p:spPr>
+      </p:pic>
     </p:spTree>
     <p:extLst>
       <p:ext uri="{BB962C8B-B14F-4D97-AF65-F5344CB8AC3E}">
@@ -5777,6 +5951,64 @@
           <a:xfrm>
             <a:off x="4645028" y="4671998"/>
             <a:ext cx="2901944" cy="1706042"/>
+          </a:xfrm>
+          <a:prstGeom prst="rect">
+            <a:avLst/>
+          </a:prstGeom>
+        </p:spPr>
+      </p:pic>
+      <p:pic>
+        <p:nvPicPr>
+          <p:cNvPr id="9" name="Picture 8" descr="A picture containing building, drawing, window&#10;&#10;Description automatically generated">
+            <a:extLst>
+              <a:ext uri="{FF2B5EF4-FFF2-40B4-BE49-F238E27FC236}">
+                <a16:creationId xmlns:a16="http://schemas.microsoft.com/office/drawing/2014/main" id="{F8B95951-D116-4DFC-B36B-2BDE2924700F}"/>
+              </a:ext>
+            </a:extLst>
+          </p:cNvPr>
+          <p:cNvPicPr>
+            <a:picLocks noChangeAspect="1"/>
+          </p:cNvPicPr>
+          <p:nvPr/>
+        </p:nvPicPr>
+        <p:blipFill rotWithShape="1">
+          <a:blip r:embed="rId5"/>
+          <a:srcRect l="862" t="89148" r="93335" b="816"/>
+          <a:stretch/>
+        </p:blipFill>
+        <p:spPr>
+          <a:xfrm>
+            <a:off x="2557285" y="4629763"/>
+            <a:ext cx="411061" cy="412435"/>
+          </a:xfrm>
+          <a:prstGeom prst="rect">
+            <a:avLst/>
+          </a:prstGeom>
+        </p:spPr>
+      </p:pic>
+      <p:pic>
+        <p:nvPicPr>
+          <p:cNvPr id="10" name="Picture 9" descr="A picture containing building, drawing, window&#10;&#10;Description automatically generated">
+            <a:extLst>
+              <a:ext uri="{FF2B5EF4-FFF2-40B4-BE49-F238E27FC236}">
+                <a16:creationId xmlns:a16="http://schemas.microsoft.com/office/drawing/2014/main" id="{2793ABE9-7150-4D57-9B4F-8040A39CE1DE}"/>
+              </a:ext>
+            </a:extLst>
+          </p:cNvPr>
+          <p:cNvPicPr>
+            <a:picLocks noChangeAspect="1"/>
+          </p:cNvPicPr>
+          <p:nvPr/>
+        </p:nvPicPr>
+        <p:blipFill rotWithShape="1">
+          <a:blip r:embed="rId5"/>
+          <a:srcRect l="862" t="78445" r="93335" b="11723"/>
+          <a:stretch/>
+        </p:blipFill>
+        <p:spPr>
+          <a:xfrm>
+            <a:off x="2557286" y="5066335"/>
+            <a:ext cx="411061" cy="404033"/>
           </a:xfrm>
           <a:prstGeom prst="rect">
             <a:avLst/>

--- a/Presentation/32.pptx
+++ b/Presentation/32.pptx
@@ -4175,6 +4175,26 @@
                 <a:cs typeface="Segoe UI" panose="020B0502040204020203" pitchFamily="34" charset="0"/>
               </a:rPr>
               <a:t>The qubit states are encoded to the 4 directions that the player may choose to move in (up, right, down, left)</a:t>
+            </a:r>
+          </a:p>
+          <a:p>
+            <a:pPr lvl="0">
+              <a:spcAft>
+                <a:spcPts val="600"/>
+              </a:spcAft>
+              <a:buFontTx/>
+              <a:buChar char="-"/>
+              <a:defRPr/>
+            </a:pPr>
+            <a:r>
+              <a:rPr lang="en-US" sz="1800" dirty="0">
+                <a:solidFill>
+                  <a:schemeClr val="bg1"/>
+                </a:solidFill>
+                <a:latin typeface="Segoe UI" panose="020B0502040204020203" pitchFamily="34" charset="0"/>
+                <a:cs typeface="Segoe UI" panose="020B0502040204020203" pitchFamily="34" charset="0"/>
+              </a:rPr>
+              <a:t>These mechanics are used to demonstrate superposition, entanglement and interference</a:t>
             </a:r>
           </a:p>
         </p:txBody>
